--- a/introdução-teorica.pptx
+++ b/introdução-teorica.pptx
@@ -114,6 +114,11 @@
       </a:defRPr>
     </a:lvl9pPr>
   </p:defaultTextStyle>
+  <p:extLst>
+    <p:ext uri="{EFAFB233-063F-42B5-8137-9DF3F51BA10A}">
+      <p15:sldGuideLst xmlns:p15="http://schemas.microsoft.com/office/powerpoint/2012/main"/>
+    </p:ext>
+  </p:extLst>
 </p:presentation>
 </file>
 
@@ -199,7 +204,7 @@
           <a:p>
             <a:fld id="{3D88BF37-5C21-4862-B4A2-53DD3BA0C05A}" type="datetimeFigureOut">
               <a:rPr lang="pt-BR" smtClean="0"/>
-              <a:t>24/10/2020</a:t>
+              <a:t>25/10/2020</a:t>
             </a:fld>
             <a:endParaRPr lang="pt-BR"/>
           </a:p>
@@ -1565,7 +1570,7 @@
             <a:fld id="{B61BEF0D-F0BB-DE4B-95CE-6DB70DBA9567}" type="datetimeFigureOut">
               <a:rPr lang="en-US" dirty="0"/>
               <a:pPr/>
-              <a:t>10/24/2020</a:t>
+              <a:t>10/25/2020</a:t>
             </a:fld>
             <a:endParaRPr lang="en-US" dirty="0"/>
           </a:p>
@@ -1813,7 +1818,7 @@
             <a:fld id="{B61BEF0D-F0BB-DE4B-95CE-6DB70DBA9567}" type="datetimeFigureOut">
               <a:rPr lang="en-US" dirty="0"/>
               <a:pPr/>
-              <a:t>10/24/2020</a:t>
+              <a:t>10/25/2020</a:t>
             </a:fld>
             <a:endParaRPr lang="en-US" dirty="0"/>
           </a:p>
@@ -2124,7 +2129,7 @@
             <a:fld id="{B61BEF0D-F0BB-DE4B-95CE-6DB70DBA9567}" type="datetimeFigureOut">
               <a:rPr lang="en-US" dirty="0"/>
               <a:pPr/>
-              <a:t>10/24/2020</a:t>
+              <a:t>10/25/2020</a:t>
             </a:fld>
             <a:endParaRPr lang="en-US" dirty="0"/>
           </a:p>
@@ -2462,7 +2467,7 @@
             <a:fld id="{B61BEF0D-F0BB-DE4B-95CE-6DB70DBA9567}" type="datetimeFigureOut">
               <a:rPr lang="en-US" dirty="0"/>
               <a:pPr/>
-              <a:t>10/24/2020</a:t>
+              <a:t>10/25/2020</a:t>
             </a:fld>
             <a:endParaRPr lang="en-US" dirty="0"/>
           </a:p>
@@ -2773,7 +2778,7 @@
             <a:fld id="{B61BEF0D-F0BB-DE4B-95CE-6DB70DBA9567}" type="datetimeFigureOut">
               <a:rPr lang="en-US" dirty="0"/>
               <a:pPr/>
-              <a:t>10/24/2020</a:t>
+              <a:t>10/25/2020</a:t>
             </a:fld>
             <a:endParaRPr lang="en-US" dirty="0"/>
           </a:p>
@@ -3163,7 +3168,7 @@
             <a:fld id="{B61BEF0D-F0BB-DE4B-95CE-6DB70DBA9567}" type="datetimeFigureOut">
               <a:rPr lang="en-US" dirty="0"/>
               <a:pPr/>
-              <a:t>10/24/2020</a:t>
+              <a:t>10/25/2020</a:t>
             </a:fld>
             <a:endParaRPr lang="en-US" dirty="0"/>
           </a:p>
@@ -3329,7 +3334,7 @@
           <a:p>
             <a:fld id="{55C6B4A9-1611-4792-9094-5F34BCA07E0B}" type="datetimeFigureOut">
               <a:rPr lang="en-US" dirty="0"/>
-              <a:t>10/24/2020</a:t>
+              <a:t>10/25/2020</a:t>
             </a:fld>
             <a:endParaRPr lang="en-US" dirty="0"/>
           </a:p>
@@ -3505,7 +3510,7 @@
             <a:fld id="{B61BEF0D-F0BB-DE4B-95CE-6DB70DBA9567}" type="datetimeFigureOut">
               <a:rPr lang="en-US" dirty="0"/>
               <a:pPr/>
-              <a:t>10/24/2020</a:t>
+              <a:t>10/25/2020</a:t>
             </a:fld>
             <a:endParaRPr lang="en-US" dirty="0"/>
           </a:p>
@@ -3678,7 +3683,7 @@
             <a:fld id="{B61BEF0D-F0BB-DE4B-95CE-6DB70DBA9567}" type="datetimeFigureOut">
               <a:rPr lang="en-US" dirty="0"/>
               <a:pPr/>
-              <a:t>10/24/2020</a:t>
+              <a:t>10/25/2020</a:t>
             </a:fld>
             <a:endParaRPr lang="en-US" dirty="0"/>
           </a:p>
@@ -3922,7 +3927,7 @@
             <a:fld id="{B61BEF0D-F0BB-DE4B-95CE-6DB70DBA9567}" type="datetimeFigureOut">
               <a:rPr lang="en-US" dirty="0"/>
               <a:pPr/>
-              <a:t>10/24/2020</a:t>
+              <a:t>10/25/2020</a:t>
             </a:fld>
             <a:endParaRPr lang="en-US" dirty="0"/>
           </a:p>
@@ -4150,7 +4155,7 @@
           <a:p>
             <a:fld id="{EB712588-04B1-427B-82EE-E8DB90309F08}" type="datetimeFigureOut">
               <a:rPr lang="en-US" dirty="0"/>
-              <a:t>10/24/2020</a:t>
+              <a:t>10/25/2020</a:t>
             </a:fld>
             <a:endParaRPr lang="en-US" dirty="0"/>
           </a:p>
@@ -4520,7 +4525,7 @@
             <a:fld id="{B61BEF0D-F0BB-DE4B-95CE-6DB70DBA9567}" type="datetimeFigureOut">
               <a:rPr lang="en-US" dirty="0"/>
               <a:pPr/>
-              <a:t>10/24/2020</a:t>
+              <a:t>10/25/2020</a:t>
             </a:fld>
             <a:endParaRPr lang="en-US" dirty="0"/>
           </a:p>
@@ -4640,7 +4645,7 @@
             <a:fld id="{B61BEF0D-F0BB-DE4B-95CE-6DB70DBA9567}" type="datetimeFigureOut">
               <a:rPr lang="en-US" dirty="0"/>
               <a:pPr/>
-              <a:t>10/24/2020</a:t>
+              <a:t>10/25/2020</a:t>
             </a:fld>
             <a:endParaRPr lang="en-US" dirty="0"/>
           </a:p>
@@ -4732,7 +4737,7 @@
             <a:fld id="{B61BEF0D-F0BB-DE4B-95CE-6DB70DBA9567}" type="datetimeFigureOut">
               <a:rPr lang="en-US" dirty="0"/>
               <a:pPr/>
-              <a:t>10/24/2020</a:t>
+              <a:t>10/25/2020</a:t>
             </a:fld>
             <a:endParaRPr lang="en-US" dirty="0"/>
           </a:p>
@@ -4983,7 +4988,7 @@
           <a:p>
             <a:fld id="{42A54C80-263E-416B-A8E0-580EDEADCBDC}" type="datetimeFigureOut">
               <a:rPr lang="en-US" dirty="0"/>
-              <a:t>10/24/2020</a:t>
+              <a:t>10/25/2020</a:t>
             </a:fld>
             <a:endParaRPr lang="en-US" dirty="0"/>
           </a:p>
@@ -5242,7 +5247,7 @@
             <a:fld id="{B61BEF0D-F0BB-DE4B-95CE-6DB70DBA9567}" type="datetimeFigureOut">
               <a:rPr lang="en-US" dirty="0"/>
               <a:pPr/>
-              <a:t>10/24/2020</a:t>
+              <a:t>10/25/2020</a:t>
             </a:fld>
             <a:endParaRPr lang="en-US" dirty="0"/>
           </a:p>
@@ -5982,7 +5987,7 @@
             <a:fld id="{B61BEF0D-F0BB-DE4B-95CE-6DB70DBA9567}" type="datetimeFigureOut">
               <a:rPr lang="en-US" dirty="0"/>
               <a:pPr/>
-              <a:t>10/24/2020</a:t>
+              <a:t>10/25/2020</a:t>
             </a:fld>
             <a:endParaRPr lang="en-US" dirty="0"/>
           </a:p>
@@ -6764,6 +6769,32 @@
             <a:r>
               <a:rPr lang="pt-BR" sz="2400" dirty="0"/>
               <a:t> e limpando o código (</a:t>
+            </a:r>
+            <a:r>
+              <a:rPr lang="pt-BR" sz="2400" dirty="0" err="1"/>
+              <a:t>hands</a:t>
+            </a:r>
+            <a:r>
+              <a:rPr lang="pt-BR" sz="2400" dirty="0"/>
+              <a:t> </a:t>
+            </a:r>
+            <a:r>
+              <a:rPr lang="pt-BR" sz="2400" dirty="0" err="1"/>
+              <a:t>on</a:t>
+            </a:r>
+            <a:r>
+              <a:rPr lang="pt-BR" sz="2400" dirty="0"/>
+              <a:t>)</a:t>
+            </a:r>
+          </a:p>
+          <a:p>
+            <a:pPr>
+              <a:buFont typeface="+mj-lt"/>
+              <a:buAutoNum type="arabicPeriod"/>
+            </a:pPr>
+            <a:r>
+              <a:rPr lang="pt-BR" sz="2400" dirty="0"/>
+              <a:t>Funcionalidades bônus (</a:t>
             </a:r>
             <a:r>
               <a:rPr lang="pt-BR" sz="2400" dirty="0" err="1"/>
